--- a/Our Project PPT/Electronic Voting Machine  with fingerprint and facial recognition.pptx
+++ b/Our Project PPT/Electronic Voting Machine  with fingerprint and facial recognition.pptx
@@ -5,7 +5,7 @@
     <p:sldMasterId id="2147483694" r:id="rId1"/>
   </p:sldMasterIdLst>
   <p:notesMasterIdLst>
-    <p:notesMasterId r:id="rId9"/>
+    <p:notesMasterId r:id="rId10"/>
   </p:notesMasterIdLst>
   <p:sldIdLst>
     <p:sldId id="256" r:id="rId2"/>
@@ -14,7 +14,8 @@
     <p:sldId id="263" r:id="rId5"/>
     <p:sldId id="260" r:id="rId6"/>
     <p:sldId id="265" r:id="rId7"/>
-    <p:sldId id="261" r:id="rId8"/>
+    <p:sldId id="266" r:id="rId8"/>
+    <p:sldId id="261" r:id="rId9"/>
   </p:sldIdLst>
   <p:sldSz cx="12192000" cy="6858000"/>
   <p:notesSz cx="6858000" cy="9144000"/>
@@ -203,7 +204,7 @@
           <a:p>
             <a:fld id="{0C01325D-BC9B-40CA-A232-812DD10CD9D7}" type="datetimeFigureOut">
               <a:rPr lang="en-IN" smtClean="0"/>
-              <a:t>17-04-2022</a:t>
+              <a:t>21-04-2022</a:t>
             </a:fld>
             <a:endParaRPr lang="en-IN"/>
           </a:p>
@@ -657,7 +658,7 @@
           <a:p>
             <a:fld id="{FFFD472B-3F04-4140-8EB9-D00A0FF39B7A}" type="datetimeFigureOut">
               <a:rPr lang="en-IN" smtClean="0"/>
-              <a:t>17-04-2022</a:t>
+              <a:t>21-04-2022</a:t>
             </a:fld>
             <a:endParaRPr lang="en-IN"/>
           </a:p>
@@ -932,7 +933,7 @@
           <a:p>
             <a:fld id="{FFFD472B-3F04-4140-8EB9-D00A0FF39B7A}" type="datetimeFigureOut">
               <a:rPr lang="en-IN" smtClean="0"/>
-              <a:t>17-04-2022</a:t>
+              <a:t>21-04-2022</a:t>
             </a:fld>
             <a:endParaRPr lang="en-IN"/>
           </a:p>
@@ -1126,7 +1127,7 @@
           <a:p>
             <a:fld id="{FFFD472B-3F04-4140-8EB9-D00A0FF39B7A}" type="datetimeFigureOut">
               <a:rPr lang="en-IN" smtClean="0"/>
-              <a:t>17-04-2022</a:t>
+              <a:t>21-04-2022</a:t>
             </a:fld>
             <a:endParaRPr lang="en-IN"/>
           </a:p>
@@ -1399,7 +1400,7 @@
           <a:p>
             <a:fld id="{FFFD472B-3F04-4140-8EB9-D00A0FF39B7A}" type="datetimeFigureOut">
               <a:rPr lang="en-IN" smtClean="0"/>
-              <a:t>17-04-2022</a:t>
+              <a:t>21-04-2022</a:t>
             </a:fld>
             <a:endParaRPr lang="en-IN"/>
           </a:p>
@@ -1740,7 +1741,7 @@
           <a:p>
             <a:fld id="{FFFD472B-3F04-4140-8EB9-D00A0FF39B7A}" type="datetimeFigureOut">
               <a:rPr lang="en-IN" smtClean="0"/>
-              <a:t>17-04-2022</a:t>
+              <a:t>21-04-2022</a:t>
             </a:fld>
             <a:endParaRPr lang="en-IN"/>
           </a:p>
@@ -2363,7 +2364,7 @@
           <a:p>
             <a:fld id="{FFFD472B-3F04-4140-8EB9-D00A0FF39B7A}" type="datetimeFigureOut">
               <a:rPr lang="en-IN" smtClean="0"/>
-              <a:t>17-04-2022</a:t>
+              <a:t>21-04-2022</a:t>
             </a:fld>
             <a:endParaRPr lang="en-IN"/>
           </a:p>
@@ -3223,7 +3224,7 @@
           <a:p>
             <a:fld id="{FFFD472B-3F04-4140-8EB9-D00A0FF39B7A}" type="datetimeFigureOut">
               <a:rPr lang="en-IN" smtClean="0"/>
-              <a:t>17-04-2022</a:t>
+              <a:t>21-04-2022</a:t>
             </a:fld>
             <a:endParaRPr lang="en-IN"/>
           </a:p>
@@ -3393,7 +3394,7 @@
           <a:p>
             <a:fld id="{FFFD472B-3F04-4140-8EB9-D00A0FF39B7A}" type="datetimeFigureOut">
               <a:rPr lang="en-IN" smtClean="0"/>
-              <a:t>17-04-2022</a:t>
+              <a:t>21-04-2022</a:t>
             </a:fld>
             <a:endParaRPr lang="en-IN"/>
           </a:p>
@@ -3573,7 +3574,7 @@
           <a:p>
             <a:fld id="{FFFD472B-3F04-4140-8EB9-D00A0FF39B7A}" type="datetimeFigureOut">
               <a:rPr lang="en-IN" smtClean="0"/>
-              <a:t>17-04-2022</a:t>
+              <a:t>21-04-2022</a:t>
             </a:fld>
             <a:endParaRPr lang="en-IN"/>
           </a:p>
@@ -3743,7 +3744,7 @@
           <a:p>
             <a:fld id="{FFFD472B-3F04-4140-8EB9-D00A0FF39B7A}" type="datetimeFigureOut">
               <a:rPr lang="en-IN" smtClean="0"/>
-              <a:t>17-04-2022</a:t>
+              <a:t>21-04-2022</a:t>
             </a:fld>
             <a:endParaRPr lang="en-IN"/>
           </a:p>
@@ -3990,7 +3991,7 @@
           <a:p>
             <a:fld id="{FFFD472B-3F04-4140-8EB9-D00A0FF39B7A}" type="datetimeFigureOut">
               <a:rPr lang="en-IN" smtClean="0"/>
-              <a:t>17-04-2022</a:t>
+              <a:t>21-04-2022</a:t>
             </a:fld>
             <a:endParaRPr lang="en-IN"/>
           </a:p>
@@ -4282,7 +4283,7 @@
           <a:p>
             <a:fld id="{FFFD472B-3F04-4140-8EB9-D00A0FF39B7A}" type="datetimeFigureOut">
               <a:rPr lang="en-IN" smtClean="0"/>
-              <a:t>17-04-2022</a:t>
+              <a:t>21-04-2022</a:t>
             </a:fld>
             <a:endParaRPr lang="en-IN"/>
           </a:p>
@@ -4726,7 +4727,7 @@
           <a:p>
             <a:fld id="{FFFD472B-3F04-4140-8EB9-D00A0FF39B7A}" type="datetimeFigureOut">
               <a:rPr lang="en-IN" smtClean="0"/>
-              <a:t>17-04-2022</a:t>
+              <a:t>21-04-2022</a:t>
             </a:fld>
             <a:endParaRPr lang="en-IN"/>
           </a:p>
@@ -4844,7 +4845,7 @@
           <a:p>
             <a:fld id="{FFFD472B-3F04-4140-8EB9-D00A0FF39B7A}" type="datetimeFigureOut">
               <a:rPr lang="en-IN" smtClean="0"/>
-              <a:t>17-04-2022</a:t>
+              <a:t>21-04-2022</a:t>
             </a:fld>
             <a:endParaRPr lang="en-IN"/>
           </a:p>
@@ -4939,7 +4940,7 @@
           <a:p>
             <a:fld id="{FFFD472B-3F04-4140-8EB9-D00A0FF39B7A}" type="datetimeFigureOut">
               <a:rPr lang="en-IN" smtClean="0"/>
-              <a:t>17-04-2022</a:t>
+              <a:t>21-04-2022</a:t>
             </a:fld>
             <a:endParaRPr lang="en-IN"/>
           </a:p>
@@ -5218,7 +5219,7 @@
           <a:p>
             <a:fld id="{FFFD472B-3F04-4140-8EB9-D00A0FF39B7A}" type="datetimeFigureOut">
               <a:rPr lang="en-IN" smtClean="0"/>
-              <a:t>17-04-2022</a:t>
+              <a:t>21-04-2022</a:t>
             </a:fld>
             <a:endParaRPr lang="en-IN"/>
           </a:p>
@@ -5493,7 +5494,7 @@
           <a:p>
             <a:fld id="{FFFD472B-3F04-4140-8EB9-D00A0FF39B7A}" type="datetimeFigureOut">
               <a:rPr lang="en-IN" smtClean="0"/>
-              <a:t>17-04-2022</a:t>
+              <a:t>21-04-2022</a:t>
             </a:fld>
             <a:endParaRPr lang="en-IN"/>
           </a:p>
@@ -5922,7 +5923,7 @@
           <a:p>
             <a:fld id="{FFFD472B-3F04-4140-8EB9-D00A0FF39B7A}" type="datetimeFigureOut">
               <a:rPr lang="en-IN" smtClean="0"/>
-              <a:t>17-04-2022</a:t>
+              <a:t>21-04-2022</a:t>
             </a:fld>
             <a:endParaRPr lang="en-IN"/>
           </a:p>
@@ -6582,7 +6583,7 @@
           <a:p>
             <a:r>
               <a:rPr lang="en-US" b="1" dirty="0"/>
-              <a:t>Batch Students;</a:t>
+              <a:t>Presented by;</a:t>
             </a:r>
           </a:p>
           <a:p>
@@ -6656,14 +6657,14 @@
           <p:nvPr>
             <p:extLst>
               <p:ext uri="{D42A27DB-BD31-4B8C-83A1-F6EECF244321}">
-                <p14:modId xmlns:p14="http://schemas.microsoft.com/office/powerpoint/2010/main" val="888311138"/>
+                <p14:modId xmlns:p14="http://schemas.microsoft.com/office/powerpoint/2010/main" val="975099352"/>
               </p:ext>
             </p:extLst>
           </p:nvPr>
         </p:nvGraphicFramePr>
         <p:xfrm>
-          <a:off x="485433" y="1200038"/>
-          <a:ext cx="11451687" cy="5106989"/>
+          <a:off x="149914" y="939617"/>
+          <a:ext cx="11892165" cy="5669280"/>
         </p:xfrm>
         <a:graphic>
           <a:graphicData uri="http://schemas.openxmlformats.org/drawingml/2006/table">
@@ -6672,35 +6673,35 @@
                 <a:tableStyleId>{5C22544A-7EE6-4342-B048-85BDC9FD1C3A}</a:tableStyleId>
               </a:tblPr>
               <a:tblGrid>
-                <a:gridCol w="805477">
+                <a:gridCol w="836459">
                   <a:extLst>
                     <a:ext uri="{9D8B030D-6E8A-4147-A177-3AD203B41FA5}">
                       <a16:colId xmlns:a16="http://schemas.microsoft.com/office/drawing/2014/main" val="2116754742"/>
                     </a:ext>
                   </a:extLst>
                 </a:gridCol>
-                <a:gridCol w="3795623">
+                <a:gridCol w="3449147">
                   <a:extLst>
                     <a:ext uri="{9D8B030D-6E8A-4147-A177-3AD203B41FA5}">
                       <a16:colId xmlns:a16="http://schemas.microsoft.com/office/drawing/2014/main" val="2231753211"/>
                     </a:ext>
                   </a:extLst>
                 </a:gridCol>
-                <a:gridCol w="2283529">
+                <a:gridCol w="1255594">
                   <a:extLst>
                     <a:ext uri="{9D8B030D-6E8A-4147-A177-3AD203B41FA5}">
                       <a16:colId xmlns:a16="http://schemas.microsoft.com/office/drawing/2014/main" val="3426501478"/>
                     </a:ext>
                   </a:extLst>
                 </a:gridCol>
-                <a:gridCol w="2283529">
+                <a:gridCol w="3643953">
                   <a:extLst>
                     <a:ext uri="{9D8B030D-6E8A-4147-A177-3AD203B41FA5}">
                       <a16:colId xmlns:a16="http://schemas.microsoft.com/office/drawing/2014/main" val="3205494145"/>
                     </a:ext>
                   </a:extLst>
                 </a:gridCol>
-                <a:gridCol w="2283529">
+                <a:gridCol w="2707012">
                   <a:extLst>
                     <a:ext uri="{9D8B030D-6E8A-4147-A177-3AD203B41FA5}">
                       <a16:colId xmlns:a16="http://schemas.microsoft.com/office/drawing/2014/main" val="3383872884"/>
@@ -6708,7 +6709,7 @@
                   </a:extLst>
                 </a:gridCol>
               </a:tblGrid>
-              <a:tr h="654909">
+              <a:tr h="524373">
                 <a:tc>
                   <a:txBody>
                     <a:bodyPr/>
@@ -6820,7 +6821,7 @@
                   </a:ext>
                 </a:extLst>
               </a:tr>
-              <a:tr h="764000">
+              <a:tr h="524373">
                 <a:tc>
                   <a:txBody>
                     <a:bodyPr/>
@@ -6884,6 +6885,10 @@
                     <a:bodyPr/>
                     <a:lstStyle/>
                     <a:p>
+                      <a:pPr marL="285750" indent="-285750">
+                        <a:buFont typeface="Arial" panose="020B0604020202020204" pitchFamily="34" charset="0"/>
+                        <a:buChar char="•"/>
+                      </a:pPr>
                       <a:r>
                         <a:rPr lang="en-US" sz="1600" b="1" dirty="0">
                           <a:latin typeface="Times New Roman" panose="02020603050405020304" pitchFamily="18" charset="0"/>
@@ -6904,6 +6909,10 @@
                     <a:bodyPr/>
                     <a:lstStyle/>
                     <a:p>
+                      <a:pPr marL="285750" indent="-285750">
+                        <a:buFont typeface="Arial" panose="020B0604020202020204" pitchFamily="34" charset="0"/>
+                        <a:buChar char="•"/>
+                      </a:pPr>
                       <a:r>
                         <a:rPr lang="en-IN" sz="1600" b="1" dirty="0">
                           <a:latin typeface="Times New Roman" panose="02020603050405020304" pitchFamily="18" charset="0"/>
@@ -6921,7 +6930,7 @@
                   </a:ext>
                 </a:extLst>
               </a:tr>
-              <a:tr h="940526">
+              <a:tr h="965950">
                 <a:tc>
                   <a:txBody>
                     <a:bodyPr/>
@@ -7007,7 +7016,7 @@
                     <a:bodyPr/>
                     <a:lstStyle/>
                     <a:p>
-                      <a:pPr marL="0" marR="0" lvl="0" indent="0" algn="l" defTabSz="914400" rtl="0" eaLnBrk="1" fontAlgn="auto" latinLnBrk="0" hangingPunct="1">
+                      <a:pPr marL="285750" marR="0" lvl="0" indent="-285750" algn="l" defTabSz="914400" rtl="0" eaLnBrk="1" fontAlgn="auto" latinLnBrk="0" hangingPunct="1">
                         <a:lnSpc>
                           <a:spcPct val="100000"/>
                         </a:lnSpc>
@@ -7019,8 +7028,8 @@
                         </a:spcAft>
                         <a:buClrTx/>
                         <a:buSzTx/>
-                        <a:buFontTx/>
-                        <a:buNone/>
+                        <a:buFont typeface="Arial" panose="020B0604020202020204" pitchFamily="34" charset="0"/>
+                        <a:buChar char="•"/>
                         <a:tabLst/>
                         <a:defRPr/>
                       </a:pPr>
@@ -7040,6 +7049,10 @@
                     <a:bodyPr/>
                     <a:lstStyle/>
                     <a:p>
+                      <a:pPr marL="285750" indent="-285750">
+                        <a:buFont typeface="Arial" panose="020B0604020202020204" pitchFamily="34" charset="0"/>
+                        <a:buChar char="•"/>
+                      </a:pPr>
                       <a:r>
                         <a:rPr lang="en-US" sz="1600" b="1" dirty="0">
                           <a:latin typeface="Times New Roman" panose="02020603050405020304" pitchFamily="18" charset="0"/>
@@ -7061,7 +7074,7 @@
                   </a:ext>
                 </a:extLst>
               </a:tr>
-              <a:tr h="1193075">
+              <a:tr h="1186738">
                 <a:tc>
                   <a:txBody>
                     <a:bodyPr/>
@@ -7163,7 +7176,7 @@
                     <a:bodyPr/>
                     <a:lstStyle/>
                     <a:p>
-                      <a:pPr marL="0" marR="0" lvl="0" indent="0" algn="l" defTabSz="914400" rtl="0" eaLnBrk="1" fontAlgn="auto" latinLnBrk="0" hangingPunct="1">
+                      <a:pPr marL="285750" marR="0" lvl="0" indent="-285750" algn="l" defTabSz="914400" rtl="0" eaLnBrk="1" fontAlgn="auto" latinLnBrk="0" hangingPunct="1">
                         <a:lnSpc>
                           <a:spcPct val="100000"/>
                         </a:lnSpc>
@@ -7175,8 +7188,8 @@
                         </a:spcAft>
                         <a:buClrTx/>
                         <a:buSzTx/>
-                        <a:buFontTx/>
-                        <a:buNone/>
+                        <a:buFont typeface="Arial" panose="020B0604020202020204" pitchFamily="34" charset="0"/>
+                        <a:buChar char="•"/>
                         <a:tabLst/>
                         <a:defRPr/>
                       </a:pPr>
@@ -7203,7 +7216,7 @@
                     <a:bodyPr/>
                     <a:lstStyle/>
                     <a:p>
-                      <a:pPr marL="0" marR="0" lvl="0" indent="0" algn="l" defTabSz="914400" rtl="0" eaLnBrk="1" fontAlgn="auto" latinLnBrk="0" hangingPunct="1">
+                      <a:pPr marL="285750" marR="0" lvl="0" indent="-285750" algn="l" defTabSz="914400" rtl="0" eaLnBrk="1" fontAlgn="auto" latinLnBrk="0" hangingPunct="1">
                         <a:lnSpc>
                           <a:spcPct val="100000"/>
                         </a:lnSpc>
@@ -7215,8 +7228,8 @@
                         </a:spcAft>
                         <a:buClrTx/>
                         <a:buSzTx/>
-                        <a:buFontTx/>
-                        <a:buNone/>
+                        <a:buFont typeface="Arial" panose="020B0604020202020204" pitchFamily="34" charset="0"/>
+                        <a:buChar char="•"/>
                         <a:tabLst/>
                         <a:defRPr/>
                       </a:pPr>
@@ -7233,6 +7246,10 @@
                       </a:endParaRPr>
                     </a:p>
                     <a:p>
+                      <a:pPr marL="285750" indent="-285750">
+                        <a:buFont typeface="Arial" panose="020B0604020202020204" pitchFamily="34" charset="0"/>
+                        <a:buChar char="•"/>
+                      </a:pPr>
                       <a:endParaRPr lang="en-IN" sz="1600" b="1" dirty="0">
                         <a:latin typeface="Times New Roman" panose="02020603050405020304" pitchFamily="18" charset="0"/>
                         <a:cs typeface="Times New Roman" panose="02020603050405020304" pitchFamily="18" charset="0"/>
@@ -7247,7 +7264,7 @@
                   </a:ext>
                 </a:extLst>
               </a:tr>
-              <a:tr h="914400">
+              <a:tr h="745161">
                 <a:tc>
                   <a:txBody>
                     <a:bodyPr/>
@@ -7326,6 +7343,10 @@
                     <a:bodyPr/>
                     <a:lstStyle/>
                     <a:p>
+                      <a:pPr marL="285750" indent="-285750">
+                        <a:buFont typeface="Arial" panose="020B0604020202020204" pitchFamily="34" charset="0"/>
+                        <a:buChar char="•"/>
+                      </a:pPr>
                       <a:r>
                         <a:rPr lang="en-US" sz="1600" b="1" i="0" u="none" strike="noStrike" kern="1200" baseline="0" dirty="0">
                           <a:solidFill>
@@ -7335,7 +7356,7 @@
                           <a:ea typeface="+mn-ea"/>
                           <a:cs typeface="Times New Roman" panose="02020603050405020304" pitchFamily="18" charset="0"/>
                         </a:rPr>
-                        <a:t>This system no requirement of an election officer, paper ballot or any electronic voting machine</a:t>
+                        <a:t>This system no requirement of  an any electronic voting machine</a:t>
                       </a:r>
                     </a:p>
                   </a:txBody>
@@ -7346,6 +7367,10 @@
                     <a:bodyPr/>
                     <a:lstStyle/>
                     <a:p>
+                      <a:pPr marL="285750" indent="-285750">
+                        <a:buFont typeface="Arial" panose="020B0604020202020204" pitchFamily="34" charset="0"/>
+                        <a:buChar char="•"/>
+                      </a:pPr>
                       <a:r>
                         <a:rPr lang="en-IN" sz="1600" b="1" dirty="0">
                           <a:latin typeface="Times New Roman" panose="02020603050405020304" pitchFamily="18" charset="0"/>
@@ -7374,6 +7399,277 @@
                   </a:ext>
                 </a:extLst>
               </a:tr>
+              <a:tr h="1041720">
+                <a:tc>
+                  <a:txBody>
+                    <a:bodyPr/>
+                    <a:lstStyle/>
+                    <a:p>
+                      <a:r>
+                        <a:rPr lang="en-IN" sz="1600" b="1" dirty="0">
+                          <a:latin typeface="Times New Roman" panose="02020603050405020304" pitchFamily="18" charset="0"/>
+                          <a:cs typeface="Times New Roman" panose="02020603050405020304" pitchFamily="18" charset="0"/>
+                        </a:rPr>
+                        <a:t>5</a:t>
+                      </a:r>
+                    </a:p>
+                  </a:txBody>
+                  <a:tcPr/>
+                </a:tc>
+                <a:tc>
+                  <a:txBody>
+                    <a:bodyPr/>
+                    <a:lstStyle/>
+                    <a:p>
+                      <a:pPr marL="0" marR="0" lvl="0" indent="0" algn="l" defTabSz="457200" rtl="0" eaLnBrk="1" fontAlgn="auto" latinLnBrk="0" hangingPunct="1">
+                        <a:lnSpc>
+                          <a:spcPct val="100000"/>
+                        </a:lnSpc>
+                        <a:spcBef>
+                          <a:spcPts val="0"/>
+                        </a:spcBef>
+                        <a:spcAft>
+                          <a:spcPts val="0"/>
+                        </a:spcAft>
+                        <a:buClrTx/>
+                        <a:buSzTx/>
+                        <a:buFontTx/>
+                        <a:buNone/>
+                        <a:tabLst/>
+                        <a:defRPr/>
+                      </a:pPr>
+                      <a:r>
+                        <a:rPr lang="en-IN" sz="1600" b="1" kern="1200" dirty="0">
+                          <a:solidFill>
+                            <a:schemeClr val="dk1"/>
+                          </a:solidFill>
+                          <a:effectLst/>
+                          <a:latin typeface="Times New Roman" panose="02020603050405020304" pitchFamily="18" charset="0"/>
+                          <a:ea typeface="+mn-ea"/>
+                          <a:cs typeface="Times New Roman" panose="02020603050405020304" pitchFamily="18" charset="0"/>
+                        </a:rPr>
+                        <a:t>The Next Gen Election: Design and Development of E-Voting Web Application</a:t>
+                      </a:r>
+                      <a:endParaRPr lang="en-US" sz="1600" b="1" kern="1200" dirty="0">
+                        <a:solidFill>
+                          <a:schemeClr val="dk1"/>
+                        </a:solidFill>
+                        <a:effectLst/>
+                        <a:latin typeface="Times New Roman" panose="02020603050405020304" pitchFamily="18" charset="0"/>
+                        <a:ea typeface="+mn-ea"/>
+                        <a:cs typeface="Times New Roman" panose="02020603050405020304" pitchFamily="18" charset="0"/>
+                      </a:endParaRPr>
+                    </a:p>
+                    <a:p>
+                      <a:endParaRPr lang="en-IN" sz="1600" b="1" dirty="0">
+                        <a:latin typeface="Times New Roman" panose="02020603050405020304" pitchFamily="18" charset="0"/>
+                        <a:cs typeface="Times New Roman" panose="02020603050405020304" pitchFamily="18" charset="0"/>
+                      </a:endParaRPr>
+                    </a:p>
+                  </a:txBody>
+                  <a:tcPr/>
+                </a:tc>
+                <a:tc>
+                  <a:txBody>
+                    <a:bodyPr/>
+                    <a:lstStyle/>
+                    <a:p>
+                      <a:pPr marL="0" marR="0" lvl="0" indent="0" algn="ctr" defTabSz="914400" rtl="0" eaLnBrk="1" fontAlgn="auto" latinLnBrk="0" hangingPunct="1">
+                        <a:lnSpc>
+                          <a:spcPct val="100000"/>
+                        </a:lnSpc>
+                        <a:spcBef>
+                          <a:spcPts val="0"/>
+                        </a:spcBef>
+                        <a:spcAft>
+                          <a:spcPts val="0"/>
+                        </a:spcAft>
+                        <a:buClrTx/>
+                        <a:buSzTx/>
+                        <a:buFontTx/>
+                        <a:buNone/>
+                        <a:tabLst/>
+                        <a:defRPr/>
+                      </a:pPr>
+                      <a:r>
+                        <a:rPr lang="en-IN" sz="1600" b="1" dirty="0">
+                          <a:latin typeface="Times New Roman" panose="02020603050405020304" pitchFamily="18" charset="0"/>
+                          <a:cs typeface="Times New Roman" panose="02020603050405020304" pitchFamily="18" charset="0"/>
+                        </a:rPr>
+                        <a:t>2020</a:t>
+                      </a:r>
+                    </a:p>
+                  </a:txBody>
+                  <a:tcPr/>
+                </a:tc>
+                <a:tc>
+                  <a:txBody>
+                    <a:bodyPr/>
+                    <a:lstStyle/>
+                    <a:p>
+                      <a:pPr marL="285750" indent="-285750">
+                        <a:buFont typeface="Arial" panose="020B0604020202020204" pitchFamily="34" charset="0"/>
+                        <a:buChar char="•"/>
+                      </a:pPr>
+                      <a:r>
+                        <a:rPr lang="en-IN" sz="1600" b="1" kern="1200" dirty="0">
+                          <a:solidFill>
+                            <a:schemeClr val="dk1"/>
+                          </a:solidFill>
+                          <a:effectLst/>
+                          <a:latin typeface="Times New Roman" panose="02020603050405020304" pitchFamily="18" charset="0"/>
+                          <a:ea typeface="+mn-ea"/>
+                          <a:cs typeface="Times New Roman" panose="02020603050405020304" pitchFamily="18" charset="0"/>
+                        </a:rPr>
+                        <a:t>Database is stored in an undisclosed location </a:t>
+                      </a:r>
+                    </a:p>
+                    <a:p>
+                      <a:pPr marL="285750" indent="-285750">
+                        <a:buFont typeface="Arial" panose="020B0604020202020204" pitchFamily="34" charset="0"/>
+                        <a:buChar char="•"/>
+                      </a:pPr>
+                      <a:r>
+                        <a:rPr lang="en-IN" sz="1600" b="1" kern="1200" dirty="0">
+                          <a:solidFill>
+                            <a:schemeClr val="dk1"/>
+                          </a:solidFill>
+                          <a:effectLst/>
+                          <a:latin typeface="Times New Roman" panose="02020603050405020304" pitchFamily="18" charset="0"/>
+                          <a:ea typeface="+mn-ea"/>
+                          <a:cs typeface="Times New Roman" panose="02020603050405020304" pitchFamily="18" charset="0"/>
+                        </a:rPr>
+                        <a:t>Officials of the Election Commission of India know the exact location</a:t>
+                      </a:r>
+                      <a:endParaRPr lang="en-US" sz="1600" b="1" i="0" u="none" strike="noStrike" kern="1200" baseline="0" dirty="0">
+                        <a:solidFill>
+                          <a:schemeClr val="dk1"/>
+                        </a:solidFill>
+                        <a:latin typeface="Times New Roman" panose="02020603050405020304" pitchFamily="18" charset="0"/>
+                        <a:ea typeface="+mn-ea"/>
+                        <a:cs typeface="Times New Roman" panose="02020603050405020304" pitchFamily="18" charset="0"/>
+                      </a:endParaRPr>
+                    </a:p>
+                  </a:txBody>
+                  <a:tcPr/>
+                </a:tc>
+                <a:tc>
+                  <a:txBody>
+                    <a:bodyPr/>
+                    <a:lstStyle/>
+                    <a:p>
+                      <a:pPr marL="285750" indent="-285750">
+                        <a:buFont typeface="Arial" panose="020B0604020202020204" pitchFamily="34" charset="0"/>
+                        <a:buChar char="•"/>
+                      </a:pPr>
+                      <a:r>
+                        <a:rPr lang="en-IN" sz="1600" b="1" kern="1200" dirty="0">
+                          <a:solidFill>
+                            <a:schemeClr val="dk1"/>
+                          </a:solidFill>
+                          <a:effectLst/>
+                          <a:latin typeface="Times New Roman" panose="02020603050405020304" pitchFamily="18" charset="0"/>
+                          <a:ea typeface="+mn-ea"/>
+                          <a:cs typeface="Times New Roman" panose="02020603050405020304" pitchFamily="18" charset="0"/>
+                        </a:rPr>
+                        <a:t>High cost</a:t>
+                      </a:r>
+                    </a:p>
+                    <a:p>
+                      <a:pPr marL="285750" marR="0" lvl="0" indent="-285750" algn="l" defTabSz="457200" rtl="0" eaLnBrk="1" fontAlgn="auto" latinLnBrk="0" hangingPunct="1">
+                        <a:lnSpc>
+                          <a:spcPct val="100000"/>
+                        </a:lnSpc>
+                        <a:spcBef>
+                          <a:spcPts val="0"/>
+                        </a:spcBef>
+                        <a:spcAft>
+                          <a:spcPts val="0"/>
+                        </a:spcAft>
+                        <a:buClrTx/>
+                        <a:buSzTx/>
+                        <a:buFont typeface="Arial" panose="020B0604020202020204" pitchFamily="34" charset="0"/>
+                        <a:buChar char="•"/>
+                        <a:tabLst/>
+                        <a:defRPr/>
+                      </a:pPr>
+                      <a:r>
+                        <a:rPr lang="en-IN" sz="1600" b="1" kern="1200" dirty="0">
+                          <a:solidFill>
+                            <a:schemeClr val="dk1"/>
+                          </a:solidFill>
+                          <a:effectLst/>
+                          <a:latin typeface="Times New Roman" panose="02020603050405020304" pitchFamily="18" charset="0"/>
+                          <a:ea typeface="+mn-ea"/>
+                          <a:cs typeface="Times New Roman" panose="02020603050405020304" pitchFamily="18" charset="0"/>
+                        </a:rPr>
+                        <a:t>Time involvement is high.</a:t>
+                      </a:r>
+                      <a:endParaRPr lang="en-US" sz="1600" b="1" kern="1200" dirty="0">
+                        <a:solidFill>
+                          <a:schemeClr val="dk1"/>
+                        </a:solidFill>
+                        <a:effectLst/>
+                        <a:latin typeface="Times New Roman" panose="02020603050405020304" pitchFamily="18" charset="0"/>
+                        <a:ea typeface="+mn-ea"/>
+                        <a:cs typeface="Times New Roman" panose="02020603050405020304" pitchFamily="18" charset="0"/>
+                      </a:endParaRPr>
+                    </a:p>
+                    <a:p>
+                      <a:pPr marL="285750" marR="0" lvl="0" indent="-285750" algn="l" defTabSz="457200" rtl="0" eaLnBrk="1" fontAlgn="auto" latinLnBrk="0" hangingPunct="1">
+                        <a:lnSpc>
+                          <a:spcPct val="100000"/>
+                        </a:lnSpc>
+                        <a:spcBef>
+                          <a:spcPts val="0"/>
+                        </a:spcBef>
+                        <a:spcAft>
+                          <a:spcPts val="0"/>
+                        </a:spcAft>
+                        <a:buClrTx/>
+                        <a:buSzTx/>
+                        <a:buFont typeface="Arial" panose="020B0604020202020204" pitchFamily="34" charset="0"/>
+                        <a:buChar char="•"/>
+                        <a:tabLst/>
+                        <a:defRPr/>
+                      </a:pPr>
+                      <a:r>
+                        <a:rPr lang="en-IN" sz="1600" b="1" kern="1200" dirty="0">
+                          <a:solidFill>
+                            <a:schemeClr val="dk1"/>
+                          </a:solidFill>
+                          <a:effectLst/>
+                          <a:latin typeface="Times New Roman" panose="02020603050405020304" pitchFamily="18" charset="0"/>
+                          <a:ea typeface="+mn-ea"/>
+                          <a:cs typeface="Times New Roman" panose="02020603050405020304" pitchFamily="18" charset="0"/>
+                        </a:rPr>
+                        <a:t>Heavy and repetitive task of  vote management.</a:t>
+                      </a:r>
+                      <a:endParaRPr lang="en-US" sz="1600" b="1" kern="1200" dirty="0">
+                        <a:solidFill>
+                          <a:schemeClr val="dk1"/>
+                        </a:solidFill>
+                        <a:effectLst/>
+                        <a:latin typeface="Times New Roman" panose="02020603050405020304" pitchFamily="18" charset="0"/>
+                        <a:ea typeface="+mn-ea"/>
+                        <a:cs typeface="Times New Roman" panose="02020603050405020304" pitchFamily="18" charset="0"/>
+                      </a:endParaRPr>
+                    </a:p>
+                    <a:p>
+                      <a:endParaRPr lang="en-IN" sz="1600" b="1" dirty="0">
+                        <a:latin typeface="Times New Roman" panose="02020603050405020304" pitchFamily="18" charset="0"/>
+                        <a:cs typeface="Times New Roman" panose="02020603050405020304" pitchFamily="18" charset="0"/>
+                      </a:endParaRPr>
+                    </a:p>
+                  </a:txBody>
+                  <a:tcPr/>
+                </a:tc>
+                <a:extLst>
+                  <a:ext uri="{0D108BD9-81ED-4DB2-BD59-A6C34878D82A}">
+                    <a16:rowId xmlns:a16="http://schemas.microsoft.com/office/drawing/2014/main" val="1152290222"/>
+                  </a:ext>
+                </a:extLst>
+              </a:tr>
             </a:tbl>
           </a:graphicData>
         </a:graphic>
@@ -7392,7 +7688,7 @@
         </p:nvSpPr>
         <p:spPr>
           <a:xfrm>
-            <a:off x="393993" y="307133"/>
+            <a:off x="370152" y="235455"/>
             <a:ext cx="11451687" cy="584775"/>
           </a:xfrm>
           <a:prstGeom prst="rect">
@@ -7464,8 +7760,8 @@
         </p:nvSpPr>
         <p:spPr>
           <a:xfrm>
-            <a:off x="892628" y="470264"/>
-            <a:ext cx="3085011" cy="584775"/>
+            <a:off x="715207" y="640081"/>
+            <a:ext cx="3338178" cy="584775"/>
           </a:xfrm>
           <a:prstGeom prst="rect">
             <a:avLst/>
@@ -7479,11 +7775,18 @@
           <a:lstStyle/>
           <a:p>
             <a:r>
+              <a:rPr lang="en-US" sz="3200" b="1" dirty="0">
+                <a:latin typeface="Times New Roman" panose="02020603050405020304" pitchFamily="18" charset="0"/>
+                <a:cs typeface="Times New Roman" panose="02020603050405020304" pitchFamily="18" charset="0"/>
+              </a:rPr>
+              <a:t>Existing  System</a:t>
+            </a:r>
+            <a:r>
               <a:rPr lang="en-US" sz="3200" dirty="0">
                 <a:latin typeface="Times New Roman" panose="02020603050405020304" pitchFamily="18" charset="0"/>
                 <a:cs typeface="Times New Roman" panose="02020603050405020304" pitchFamily="18" charset="0"/>
               </a:rPr>
-              <a:t>Existing  System:</a:t>
+              <a:t>:</a:t>
             </a:r>
           </a:p>
         </p:txBody>
@@ -7503,7 +7806,7 @@
         <p:spPr>
           <a:xfrm>
             <a:off x="892628" y="1375787"/>
-            <a:ext cx="10406742" cy="5011949"/>
+            <a:ext cx="10367555" cy="5011949"/>
           </a:xfrm>
           <a:prstGeom prst="rect">
             <a:avLst/>
@@ -7532,7 +7835,7 @@
                 <a:latin typeface="Times New Roman" panose="02020603050405020304" pitchFamily="18" charset="0"/>
                 <a:cs typeface="Times New Roman" panose="02020603050405020304" pitchFamily="18" charset="0"/>
               </a:rPr>
-              <a:t>The existing voting system, doesn’t have person identification, so that there are chances to misuse the others rights.</a:t>
+              <a:t>The existing voting system, doesn’t have person image identification, so that there are chances to misuse the others rights.</a:t>
             </a:r>
           </a:p>
           <a:p>
@@ -7552,7 +7855,7 @@
                 <a:latin typeface="Times New Roman" panose="02020603050405020304" pitchFamily="18" charset="0"/>
                 <a:cs typeface="Times New Roman" panose="02020603050405020304" pitchFamily="18" charset="0"/>
               </a:rPr>
-              <a:t> In India counting of votes takes some weeks after voting so insider or criminal can use the clip-on device to change the votes recorded in EVM.</a:t>
+              <a:t>counting of votes takes some weeks after voting so insider or criminal can use the clip-on device to change the votes recorded in EVM.</a:t>
             </a:r>
           </a:p>
           <a:p>
@@ -7572,7 +7875,7 @@
                 <a:latin typeface="Times New Roman" panose="02020603050405020304" pitchFamily="18" charset="0"/>
                 <a:cs typeface="Times New Roman" panose="02020603050405020304" pitchFamily="18" charset="0"/>
               </a:rPr>
-              <a:t>The BEL and ECIL (EVMs  manufacturers) have shared the top secret EVM software program to copy it onto the microcontrollers used in EVMs with two foreign companies, Microchip(USA) and Renesas ( Japan).</a:t>
+              <a:t>The limitation of this system is present in its fingerprint acquisition process.</a:t>
             </a:r>
           </a:p>
           <a:p>
@@ -7592,7 +7895,49 @@
                 <a:latin typeface="Times New Roman" panose="02020603050405020304" pitchFamily="18" charset="0"/>
                 <a:cs typeface="Times New Roman" panose="02020603050405020304" pitchFamily="18" charset="0"/>
               </a:rPr>
-              <a:t> With such facts the software and as well as hardware both are not safe and secure. </a:t>
+              <a:t> Since the finger print gets tampered due to age, work and other factors such as skin problems, wet hands. so that the system may lags to recognize them.</a:t>
+            </a:r>
+          </a:p>
+          <a:p>
+            <a:pPr marL="342900" indent="-342900">
+              <a:lnSpc>
+                <a:spcPct val="150000"/>
+              </a:lnSpc>
+              <a:buFont typeface="Arial" panose="020B0604020202020204" pitchFamily="34" charset="0"/>
+              <a:buChar char="•"/>
+            </a:pPr>
+            <a:r>
+              <a:rPr lang="en-US" sz="2400" b="0" i="0" dirty="0">
+                <a:solidFill>
+                  <a:srgbClr val="FFFFFF"/>
+                </a:solidFill>
+                <a:effectLst/>
+                <a:latin typeface="Times New Roman" panose="02020603050405020304" pitchFamily="18" charset="0"/>
+                <a:cs typeface="Times New Roman" panose="02020603050405020304" pitchFamily="18" charset="0"/>
+              </a:rPr>
+              <a:t>Also this system contains two parts, control unit and ballot unit, so </a:t>
+            </a:r>
+            <a:r>
+              <a:rPr lang="en-US" sz="2400" b="0" i="0" dirty="0" err="1">
+                <a:solidFill>
+                  <a:srgbClr val="FFFFFF"/>
+                </a:solidFill>
+                <a:effectLst/>
+                <a:latin typeface="Times New Roman" panose="02020603050405020304" pitchFamily="18" charset="0"/>
+                <a:cs typeface="Times New Roman" panose="02020603050405020304" pitchFamily="18" charset="0"/>
+              </a:rPr>
+              <a:t>its</a:t>
+            </a:r>
+            <a:r>
+              <a:rPr lang="en-US" sz="2400" b="0" i="0" dirty="0">
+                <a:solidFill>
+                  <a:srgbClr val="FFFFFF"/>
+                </a:solidFill>
+                <a:effectLst/>
+                <a:latin typeface="Times New Roman" panose="02020603050405020304" pitchFamily="18" charset="0"/>
+                <a:cs typeface="Times New Roman" panose="02020603050405020304" pitchFamily="18" charset="0"/>
+              </a:rPr>
+              <a:t> hard to maintain these two parts. </a:t>
             </a:r>
           </a:p>
         </p:txBody>
@@ -7757,8 +8102,8 @@
         </p:nvSpPr>
         <p:spPr>
           <a:xfrm>
-            <a:off x="354228" y="1645718"/>
-            <a:ext cx="11454596" cy="3903954"/>
+            <a:off x="847106" y="1300781"/>
+            <a:ext cx="10497788" cy="5011949"/>
           </a:xfrm>
           <a:prstGeom prst="rect">
             <a:avLst/>
@@ -7779,22 +8124,24 @@
               <a:buChar char="•"/>
             </a:pPr>
             <a:r>
+              <a:rPr lang="en-US" sz="2400" u="none" strike="noStrike" baseline="0" dirty="0">
+                <a:latin typeface="Times New Roman" panose="02020603050405020304" pitchFamily="18" charset="0"/>
+              </a:rPr>
+              <a:t>In this project, an attempt has been made to the development of an authenticated electronic voting system using fingerprint and facial </a:t>
+            </a:r>
+            <a:r>
               <a:rPr lang="en-US" sz="2400" dirty="0">
                 <a:latin typeface="Times New Roman" panose="02020603050405020304" pitchFamily="18" charset="0"/>
-                <a:cs typeface="Times New Roman" panose="02020603050405020304" pitchFamily="18" charset="0"/>
               </a:rPr>
-              <a:t> 	</a:t>
-            </a:r>
-            <a:r>
-              <a:rPr lang="en-IN" sz="2400" dirty="0">
-                <a:latin typeface="Times New Roman" panose="02020603050405020304" pitchFamily="18" charset="0"/>
-                <a:cs typeface="Times New Roman" panose="02020603050405020304" pitchFamily="18" charset="0"/>
-              </a:rPr>
-              <a:t>This project is to improve the Security of the existing voting system in India.</a:t>
-            </a:r>
-          </a:p>
-          <a:p>
-            <a:pPr marL="457200" indent="-457200" algn="just">
+              <a:t>recognition.</a:t>
+            </a:r>
+            <a:endParaRPr lang="en-IN" sz="2400" dirty="0">
+              <a:latin typeface="Times New Roman" panose="02020603050405020304" pitchFamily="18" charset="0"/>
+              <a:cs typeface="Times New Roman" panose="02020603050405020304" pitchFamily="18" charset="0"/>
+            </a:endParaRPr>
+          </a:p>
+          <a:p>
+            <a:pPr marL="342900" indent="-342900" algn="just">
               <a:lnSpc>
                 <a:spcPct val="150000"/>
               </a:lnSpc>
@@ -7802,15 +8149,15 @@
               <a:buChar char="•"/>
             </a:pPr>
             <a:r>
-              <a:rPr lang="en-IN" sz="2400" dirty="0">
+              <a:rPr lang="en-US" sz="2400" dirty="0">
                 <a:latin typeface="Times New Roman" panose="02020603050405020304" pitchFamily="18" charset="0"/>
                 <a:cs typeface="Times New Roman" panose="02020603050405020304" pitchFamily="18" charset="0"/>
               </a:rPr>
-              <a:t>Fingerprint and facial recognition based authentication used for secure voting.</a:t>
-            </a:r>
-          </a:p>
-          <a:p>
-            <a:pPr marL="457200" indent="-457200" algn="just">
+              <a:t>The two-fold authentication system improves the security of the voting process and reduces the chances of a corrupt election process.</a:t>
+            </a:r>
+          </a:p>
+          <a:p>
+            <a:pPr marL="342900" indent="-342900" algn="just">
               <a:lnSpc>
                 <a:spcPct val="150000"/>
               </a:lnSpc>
@@ -7818,15 +8165,19 @@
               <a:buChar char="•"/>
             </a:pPr>
             <a:r>
-              <a:rPr lang="en-IN" sz="2400" dirty="0">
+              <a:rPr lang="en-US" sz="2400" dirty="0">
                 <a:latin typeface="Times New Roman" panose="02020603050405020304" pitchFamily="18" charset="0"/>
                 <a:cs typeface="Times New Roman" panose="02020603050405020304" pitchFamily="18" charset="0"/>
               </a:rPr>
-              <a:t>To improve the security of the system, the information must be encrypted and it provide more privacy.</a:t>
-            </a:r>
-          </a:p>
-          <a:p>
-            <a:pPr marL="457200" indent="-457200" algn="just">
+              <a:t>The facial recognition process utilizes the Local Binary Pattern Histogram and Support Vector Machine process to scan, store and recognize faces efficiently.</a:t>
+            </a:r>
+            <a:endParaRPr lang="en-IN" sz="2400" dirty="0">
+              <a:latin typeface="Times New Roman" panose="02020603050405020304" pitchFamily="18" charset="0"/>
+              <a:cs typeface="Times New Roman" panose="02020603050405020304" pitchFamily="18" charset="0"/>
+            </a:endParaRPr>
+          </a:p>
+          <a:p>
+            <a:pPr marL="342900" indent="-342900" algn="just">
               <a:lnSpc>
                 <a:spcPct val="150000"/>
               </a:lnSpc>
@@ -7834,21 +8185,28 @@
               <a:buChar char="•"/>
             </a:pPr>
             <a:r>
-              <a:rPr lang="en-IN" sz="2400" dirty="0">
+              <a:rPr lang="en-US" sz="2400" dirty="0">
                 <a:latin typeface="Times New Roman" panose="02020603050405020304" pitchFamily="18" charset="0"/>
                 <a:cs typeface="Times New Roman" panose="02020603050405020304" pitchFamily="18" charset="0"/>
               </a:rPr>
-              <a:t>Even if fingerprint gets tampered due to age and other factors, it scan still be used because of the new facial recognition feature.</a:t>
-            </a:r>
-          </a:p>
-          <a:p>
-            <a:pPr marL="457200" indent="-457200">
+              <a:t>A private server (cloud or local) is used to store both the user data and the election results separately.</a:t>
+            </a:r>
+          </a:p>
+          <a:p>
+            <a:pPr marL="342900" indent="-342900" algn="just">
               <a:lnSpc>
                 <a:spcPct val="150000"/>
               </a:lnSpc>
               <a:buFont typeface="Arial" panose="020B0604020202020204" pitchFamily="34" charset="0"/>
               <a:buChar char="•"/>
             </a:pPr>
+            <a:r>
+              <a:rPr lang="en-US" sz="2400" dirty="0">
+                <a:latin typeface="Times New Roman" panose="02020603050405020304" pitchFamily="18" charset="0"/>
+                <a:cs typeface="Times New Roman" panose="02020603050405020304" pitchFamily="18" charset="0"/>
+              </a:rPr>
+              <a:t>This reduces the chances of external manipulation of the election results.</a:t>
+            </a:r>
             <a:endParaRPr lang="en-IN" sz="2400" dirty="0">
               <a:latin typeface="Times New Roman" panose="02020603050405020304" pitchFamily="18" charset="0"/>
               <a:cs typeface="Times New Roman" panose="02020603050405020304" pitchFamily="18" charset="0"/>
@@ -7870,8 +8228,8 @@
         </p:nvSpPr>
         <p:spPr>
           <a:xfrm>
-            <a:off x="354227" y="716006"/>
-            <a:ext cx="11158152" cy="584775"/>
+            <a:off x="847106" y="716006"/>
+            <a:ext cx="1905647" cy="584775"/>
           </a:xfrm>
           <a:prstGeom prst="rect">
             <a:avLst/>
@@ -7928,12 +8286,42 @@
           <a:chExt cx="0" cy="0"/>
         </a:xfrm>
       </p:grpSpPr>
-      <p:sp>
-        <p:nvSpPr>
-          <p:cNvPr id="2" name="TextBox 1">
+      <p:pic>
+        <p:nvPicPr>
+          <p:cNvPr id="4" name="Picture 3">
             <a:extLst>
               <a:ext uri="{FF2B5EF4-FFF2-40B4-BE49-F238E27FC236}">
-                <a16:creationId xmlns:a16="http://schemas.microsoft.com/office/drawing/2014/main" id="{361EF508-F106-4BA7-BD05-B40D7D114DB7}"/>
+                <a16:creationId xmlns:a16="http://schemas.microsoft.com/office/drawing/2014/main" id="{DF6AB1FA-4FD6-41AD-9A75-E204319BD98A}"/>
+              </a:ext>
+            </a:extLst>
+          </p:cNvPr>
+          <p:cNvPicPr>
+            <a:picLocks noChangeAspect="1"/>
+          </p:cNvPicPr>
+          <p:nvPr/>
+        </p:nvPicPr>
+        <p:blipFill>
+          <a:blip r:embed="rId2"/>
+          <a:stretch>
+            <a:fillRect/>
+          </a:stretch>
+        </p:blipFill>
+        <p:spPr>
+          <a:xfrm>
+            <a:off x="2264558" y="1452451"/>
+            <a:ext cx="7662884" cy="4893624"/>
+          </a:xfrm>
+          <a:prstGeom prst="rect">
+            <a:avLst/>
+          </a:prstGeom>
+        </p:spPr>
+      </p:pic>
+      <p:sp>
+        <p:nvSpPr>
+          <p:cNvPr id="5" name="TextBox 4">
+            <a:extLst>
+              <a:ext uri="{FF2B5EF4-FFF2-40B4-BE49-F238E27FC236}">
+                <a16:creationId xmlns:a16="http://schemas.microsoft.com/office/drawing/2014/main" id="{F9B46EC9-A928-40D7-9D22-B01690283587}"/>
               </a:ext>
             </a:extLst>
           </p:cNvPr>
@@ -7942,8 +8330,8 @@
         </p:nvSpPr>
         <p:spPr>
           <a:xfrm>
-            <a:off x="1214846" y="849086"/>
-            <a:ext cx="6583680" cy="584775"/>
+            <a:off x="1001486" y="511925"/>
+            <a:ext cx="5094514" cy="584775"/>
           </a:xfrm>
           <a:prstGeom prst="rect">
             <a:avLst/>
@@ -7961,842 +8349,7 @@
                 <a:latin typeface="Times New Roman" panose="02020603050405020304" pitchFamily="18" charset="0"/>
                 <a:cs typeface="Times New Roman" panose="02020603050405020304" pitchFamily="18" charset="0"/>
               </a:rPr>
-              <a:t>Flow Chart:</a:t>
-            </a:r>
-          </a:p>
-        </p:txBody>
-      </p:sp>
-      <p:sp>
-        <p:nvSpPr>
-          <p:cNvPr id="5" name="Oval 4">
-            <a:extLst>
-              <a:ext uri="{FF2B5EF4-FFF2-40B4-BE49-F238E27FC236}">
-                <a16:creationId xmlns:a16="http://schemas.microsoft.com/office/drawing/2014/main" id="{FE0CA1EE-393D-4379-90E9-5E0108611BAD}"/>
-              </a:ext>
-            </a:extLst>
-          </p:cNvPr>
-          <p:cNvSpPr/>
-          <p:nvPr/>
-        </p:nvSpPr>
-        <p:spPr>
-          <a:xfrm>
-            <a:off x="6544491" y="1306286"/>
-            <a:ext cx="1658983" cy="584775"/>
-          </a:xfrm>
-          <a:prstGeom prst="ellipse">
-            <a:avLst/>
-          </a:prstGeom>
-        </p:spPr>
-        <p:style>
-          <a:lnRef idx="2">
-            <a:schemeClr val="accent6"/>
-          </a:lnRef>
-          <a:fillRef idx="1">
-            <a:schemeClr val="lt1"/>
-          </a:fillRef>
-          <a:effectRef idx="0">
-            <a:schemeClr val="accent6"/>
-          </a:effectRef>
-          <a:fontRef idx="minor">
-            <a:schemeClr val="dk1"/>
-          </a:fontRef>
-        </p:style>
-        <p:txBody>
-          <a:bodyPr rtlCol="0" anchor="ctr"/>
-          <a:lstStyle/>
-          <a:p>
-            <a:pPr algn="ctr"/>
-            <a:r>
-              <a:rPr lang="en-US" sz="1200" b="1" dirty="0">
-                <a:latin typeface="Times New Roman" panose="02020603050405020304" pitchFamily="18" charset="0"/>
-                <a:cs typeface="Times New Roman" panose="02020603050405020304" pitchFamily="18" charset="0"/>
-              </a:rPr>
-              <a:t>Start</a:t>
-            </a:r>
-          </a:p>
-        </p:txBody>
-      </p:sp>
-      <p:sp>
-        <p:nvSpPr>
-          <p:cNvPr id="6" name="Diamond 5">
-            <a:extLst>
-              <a:ext uri="{FF2B5EF4-FFF2-40B4-BE49-F238E27FC236}">
-                <a16:creationId xmlns:a16="http://schemas.microsoft.com/office/drawing/2014/main" id="{FB2B7089-69B8-4D86-AF72-1799C425D885}"/>
-              </a:ext>
-            </a:extLst>
-          </p:cNvPr>
-          <p:cNvSpPr/>
-          <p:nvPr/>
-        </p:nvSpPr>
-        <p:spPr>
-          <a:xfrm>
-            <a:off x="6433455" y="2207835"/>
-            <a:ext cx="1959430" cy="1031966"/>
-          </a:xfrm>
-          <a:prstGeom prst="diamond">
-            <a:avLst/>
-          </a:prstGeom>
-        </p:spPr>
-        <p:style>
-          <a:lnRef idx="2">
-            <a:schemeClr val="accent6"/>
-          </a:lnRef>
-          <a:fillRef idx="1">
-            <a:schemeClr val="lt1"/>
-          </a:fillRef>
-          <a:effectRef idx="0">
-            <a:schemeClr val="accent6"/>
-          </a:effectRef>
-          <a:fontRef idx="minor">
-            <a:schemeClr val="dk1"/>
-          </a:fontRef>
-        </p:style>
-        <p:txBody>
-          <a:bodyPr rtlCol="0" anchor="ctr"/>
-          <a:lstStyle/>
-          <a:p>
-            <a:pPr algn="ctr"/>
-            <a:r>
-              <a:rPr lang="en-US" sz="1100" b="1" dirty="0">
-                <a:latin typeface="Times New Roman" panose="02020603050405020304" pitchFamily="18" charset="0"/>
-                <a:cs typeface="Times New Roman" panose="02020603050405020304" pitchFamily="18" charset="0"/>
-              </a:rPr>
-              <a:t>Check the Govt. ID along  with FG and FR</a:t>
-            </a:r>
-          </a:p>
-        </p:txBody>
-      </p:sp>
-      <p:sp>
-        <p:nvSpPr>
-          <p:cNvPr id="7" name="Rectangle: Rounded Corners 6">
-            <a:extLst>
-              <a:ext uri="{FF2B5EF4-FFF2-40B4-BE49-F238E27FC236}">
-                <a16:creationId xmlns:a16="http://schemas.microsoft.com/office/drawing/2014/main" id="{019596DE-E2B8-4CBC-806C-97E68A80A7E0}"/>
-              </a:ext>
-            </a:extLst>
-          </p:cNvPr>
-          <p:cNvSpPr/>
-          <p:nvPr/>
-        </p:nvSpPr>
-        <p:spPr>
-          <a:xfrm>
-            <a:off x="6426924" y="3533072"/>
-            <a:ext cx="1959429" cy="584775"/>
-          </a:xfrm>
-          <a:prstGeom prst="roundRect">
-            <a:avLst/>
-          </a:prstGeom>
-        </p:spPr>
-        <p:style>
-          <a:lnRef idx="2">
-            <a:schemeClr val="accent6"/>
-          </a:lnRef>
-          <a:fillRef idx="1">
-            <a:schemeClr val="lt1"/>
-          </a:fillRef>
-          <a:effectRef idx="0">
-            <a:schemeClr val="accent6"/>
-          </a:effectRef>
-          <a:fontRef idx="minor">
-            <a:schemeClr val="dk1"/>
-          </a:fontRef>
-        </p:style>
-        <p:txBody>
-          <a:bodyPr rtlCol="0" anchor="ctr"/>
-          <a:lstStyle/>
-          <a:p>
-            <a:pPr algn="ctr"/>
-            <a:r>
-              <a:rPr lang="en-US" sz="1200" b="1" dirty="0">
-                <a:latin typeface="Times New Roman" panose="02020603050405020304" pitchFamily="18" charset="0"/>
-                <a:cs typeface="Times New Roman" panose="02020603050405020304" pitchFamily="18" charset="0"/>
-              </a:rPr>
-              <a:t>Registration of voters </a:t>
-            </a:r>
-          </a:p>
-        </p:txBody>
-      </p:sp>
-      <p:sp>
-        <p:nvSpPr>
-          <p:cNvPr id="8" name="Rectangle: Rounded Corners 7">
-            <a:extLst>
-              <a:ext uri="{FF2B5EF4-FFF2-40B4-BE49-F238E27FC236}">
-                <a16:creationId xmlns:a16="http://schemas.microsoft.com/office/drawing/2014/main" id="{C9FF8946-0484-47CF-A5D8-81B37E26206A}"/>
-              </a:ext>
-            </a:extLst>
-          </p:cNvPr>
-          <p:cNvSpPr/>
-          <p:nvPr/>
-        </p:nvSpPr>
-        <p:spPr>
-          <a:xfrm>
-            <a:off x="6433456" y="4416553"/>
-            <a:ext cx="1959429" cy="584775"/>
-          </a:xfrm>
-          <a:prstGeom prst="roundRect">
-            <a:avLst/>
-          </a:prstGeom>
-        </p:spPr>
-        <p:style>
-          <a:lnRef idx="2">
-            <a:schemeClr val="accent6"/>
-          </a:lnRef>
-          <a:fillRef idx="1">
-            <a:schemeClr val="lt1"/>
-          </a:fillRef>
-          <a:effectRef idx="0">
-            <a:schemeClr val="accent6"/>
-          </a:effectRef>
-          <a:fontRef idx="minor">
-            <a:schemeClr val="dk1"/>
-          </a:fontRef>
-        </p:style>
-        <p:txBody>
-          <a:bodyPr rtlCol="0" anchor="ctr"/>
-          <a:lstStyle/>
-          <a:p>
-            <a:pPr algn="ctr"/>
-            <a:r>
-              <a:rPr lang="en-US" sz="1200" b="1" dirty="0">
-                <a:latin typeface="Times New Roman" panose="02020603050405020304" pitchFamily="18" charset="0"/>
-                <a:cs typeface="Times New Roman" panose="02020603050405020304" pitchFamily="18" charset="0"/>
-              </a:rPr>
-              <a:t>Details  will stored in ROM</a:t>
-            </a:r>
-          </a:p>
-        </p:txBody>
-      </p:sp>
-      <p:sp>
-        <p:nvSpPr>
-          <p:cNvPr id="9" name="Rectangle: Rounded Corners 8">
-            <a:extLst>
-              <a:ext uri="{FF2B5EF4-FFF2-40B4-BE49-F238E27FC236}">
-                <a16:creationId xmlns:a16="http://schemas.microsoft.com/office/drawing/2014/main" id="{30C204CE-0248-4B25-A6FF-7D3BB4F44E05}"/>
-              </a:ext>
-            </a:extLst>
-          </p:cNvPr>
-          <p:cNvSpPr/>
-          <p:nvPr/>
-        </p:nvSpPr>
-        <p:spPr>
-          <a:xfrm>
-            <a:off x="6426923" y="5279359"/>
-            <a:ext cx="1959429" cy="584775"/>
-          </a:xfrm>
-          <a:prstGeom prst="roundRect">
-            <a:avLst/>
-          </a:prstGeom>
-        </p:spPr>
-        <p:style>
-          <a:lnRef idx="2">
-            <a:schemeClr val="accent6"/>
-          </a:lnRef>
-          <a:fillRef idx="1">
-            <a:schemeClr val="lt1"/>
-          </a:fillRef>
-          <a:effectRef idx="0">
-            <a:schemeClr val="accent6"/>
-          </a:effectRef>
-          <a:fontRef idx="minor">
-            <a:schemeClr val="dk1"/>
-          </a:fontRef>
-        </p:style>
-        <p:txBody>
-          <a:bodyPr rtlCol="0" anchor="ctr"/>
-          <a:lstStyle/>
-          <a:p>
-            <a:pPr algn="ctr"/>
-            <a:r>
-              <a:rPr lang="en-US" sz="1200" b="1" dirty="0">
-                <a:latin typeface="Times New Roman" panose="02020603050405020304" pitchFamily="18" charset="0"/>
-                <a:cs typeface="Times New Roman" panose="02020603050405020304" pitchFamily="18" charset="0"/>
-              </a:rPr>
-              <a:t>Send Acknowledge</a:t>
-            </a:r>
-          </a:p>
-          <a:p>
-            <a:pPr algn="ctr"/>
-            <a:r>
-              <a:rPr lang="en-US" sz="1200" b="1" dirty="0">
-                <a:latin typeface="Times New Roman" panose="02020603050405020304" pitchFamily="18" charset="0"/>
-                <a:cs typeface="Times New Roman" panose="02020603050405020304" pitchFamily="18" charset="0"/>
-              </a:rPr>
-              <a:t>Via display and SMS</a:t>
-            </a:r>
-          </a:p>
-        </p:txBody>
-      </p:sp>
-      <p:sp>
-        <p:nvSpPr>
-          <p:cNvPr id="10" name="Rectangle: Rounded Corners 9">
-            <a:extLst>
-              <a:ext uri="{FF2B5EF4-FFF2-40B4-BE49-F238E27FC236}">
-                <a16:creationId xmlns:a16="http://schemas.microsoft.com/office/drawing/2014/main" id="{4FB162FA-EE79-43D1-9F29-61840945FED1}"/>
-              </a:ext>
-            </a:extLst>
-          </p:cNvPr>
-          <p:cNvSpPr/>
-          <p:nvPr/>
-        </p:nvSpPr>
-        <p:spPr>
-          <a:xfrm>
-            <a:off x="3313611" y="2431430"/>
-            <a:ext cx="1959429" cy="584775"/>
-          </a:xfrm>
-          <a:prstGeom prst="roundRect">
-            <a:avLst/>
-          </a:prstGeom>
-        </p:spPr>
-        <p:style>
-          <a:lnRef idx="2">
-            <a:schemeClr val="accent6"/>
-          </a:lnRef>
-          <a:fillRef idx="1">
-            <a:schemeClr val="lt1"/>
-          </a:fillRef>
-          <a:effectRef idx="0">
-            <a:schemeClr val="accent6"/>
-          </a:effectRef>
-          <a:fontRef idx="minor">
-            <a:schemeClr val="dk1"/>
-          </a:fontRef>
-        </p:style>
-        <p:txBody>
-          <a:bodyPr rtlCol="0" anchor="ctr"/>
-          <a:lstStyle/>
-          <a:p>
-            <a:pPr algn="ctr"/>
-            <a:r>
-              <a:rPr lang="en-US" sz="1200" b="1" dirty="0">
-                <a:latin typeface="Times New Roman" panose="02020603050405020304" pitchFamily="18" charset="0"/>
-                <a:cs typeface="Times New Roman" panose="02020603050405020304" pitchFamily="18" charset="0"/>
-              </a:rPr>
-              <a:t>Not Allowed For Election</a:t>
-            </a:r>
-          </a:p>
-        </p:txBody>
-      </p:sp>
-      <p:cxnSp>
-        <p:nvCxnSpPr>
-          <p:cNvPr id="24" name="Straight Connector 23">
-            <a:extLst>
-              <a:ext uri="{FF2B5EF4-FFF2-40B4-BE49-F238E27FC236}">
-                <a16:creationId xmlns:a16="http://schemas.microsoft.com/office/drawing/2014/main" id="{2A1EA4EA-ECE5-4E50-9ABB-D0B647E41D98}"/>
-              </a:ext>
-            </a:extLst>
-          </p:cNvPr>
-          <p:cNvCxnSpPr>
-            <a:cxnSpLocks/>
-          </p:cNvCxnSpPr>
-          <p:nvPr/>
-        </p:nvCxnSpPr>
-        <p:spPr>
-          <a:xfrm flipH="1">
-            <a:off x="2743200" y="5571746"/>
-            <a:ext cx="3512820" cy="0"/>
-          </a:xfrm>
-          <a:prstGeom prst="line">
-            <a:avLst/>
-          </a:prstGeom>
-          <a:ln>
-            <a:solidFill>
-              <a:schemeClr val="tx1"/>
-            </a:solidFill>
-          </a:ln>
-        </p:spPr>
-        <p:style>
-          <a:lnRef idx="3">
-            <a:schemeClr val="dk1"/>
-          </a:lnRef>
-          <a:fillRef idx="0">
-            <a:schemeClr val="dk1"/>
-          </a:fillRef>
-          <a:effectRef idx="2">
-            <a:schemeClr val="dk1"/>
-          </a:effectRef>
-          <a:fontRef idx="minor">
-            <a:schemeClr val="tx1"/>
-          </a:fontRef>
-        </p:style>
-      </p:cxnSp>
-      <p:cxnSp>
-        <p:nvCxnSpPr>
-          <p:cNvPr id="26" name="Straight Connector 25">
-            <a:extLst>
-              <a:ext uri="{FF2B5EF4-FFF2-40B4-BE49-F238E27FC236}">
-                <a16:creationId xmlns:a16="http://schemas.microsoft.com/office/drawing/2014/main" id="{440B68A3-08D5-451E-BC05-63329C102C7E}"/>
-              </a:ext>
-            </a:extLst>
-          </p:cNvPr>
-          <p:cNvCxnSpPr>
-            <a:cxnSpLocks/>
-          </p:cNvCxnSpPr>
-          <p:nvPr/>
-        </p:nvCxnSpPr>
-        <p:spPr>
-          <a:xfrm flipV="1">
-            <a:off x="2743200" y="1598673"/>
-            <a:ext cx="0" cy="3973073"/>
-          </a:xfrm>
-          <a:prstGeom prst="line">
-            <a:avLst/>
-          </a:prstGeom>
-          <a:ln>
-            <a:solidFill>
-              <a:schemeClr val="tx1"/>
-            </a:solidFill>
-          </a:ln>
-        </p:spPr>
-        <p:style>
-          <a:lnRef idx="3">
-            <a:schemeClr val="dk1"/>
-          </a:lnRef>
-          <a:fillRef idx="0">
-            <a:schemeClr val="dk1"/>
-          </a:fillRef>
-          <a:effectRef idx="2">
-            <a:schemeClr val="dk1"/>
-          </a:effectRef>
-          <a:fontRef idx="minor">
-            <a:schemeClr val="tx1"/>
-          </a:fontRef>
-        </p:style>
-      </p:cxnSp>
-      <p:cxnSp>
-        <p:nvCxnSpPr>
-          <p:cNvPr id="30" name="Straight Arrow Connector 29">
-            <a:extLst>
-              <a:ext uri="{FF2B5EF4-FFF2-40B4-BE49-F238E27FC236}">
-                <a16:creationId xmlns:a16="http://schemas.microsoft.com/office/drawing/2014/main" id="{DF87DE20-0D09-4D23-BE52-2A7E16DC5695}"/>
-              </a:ext>
-            </a:extLst>
-          </p:cNvPr>
-          <p:cNvCxnSpPr>
-            <a:cxnSpLocks/>
-          </p:cNvCxnSpPr>
-          <p:nvPr/>
-        </p:nvCxnSpPr>
-        <p:spPr>
-          <a:xfrm>
-            <a:off x="2743200" y="1598673"/>
-            <a:ext cx="3690255" cy="0"/>
-          </a:xfrm>
-          <a:prstGeom prst="straightConnector1">
-            <a:avLst/>
-          </a:prstGeom>
-          <a:ln>
-            <a:solidFill>
-              <a:schemeClr val="tx1"/>
-            </a:solidFill>
-            <a:tailEnd type="triangle"/>
-          </a:ln>
-        </p:spPr>
-        <p:style>
-          <a:lnRef idx="3">
-            <a:schemeClr val="dk1"/>
-          </a:lnRef>
-          <a:fillRef idx="0">
-            <a:schemeClr val="dk1"/>
-          </a:fillRef>
-          <a:effectRef idx="2">
-            <a:schemeClr val="dk1"/>
-          </a:effectRef>
-          <a:fontRef idx="minor">
-            <a:schemeClr val="tx1"/>
-          </a:fontRef>
-        </p:style>
-      </p:cxnSp>
-      <p:cxnSp>
-        <p:nvCxnSpPr>
-          <p:cNvPr id="37" name="Straight Arrow Connector 36">
-            <a:extLst>
-              <a:ext uri="{FF2B5EF4-FFF2-40B4-BE49-F238E27FC236}">
-                <a16:creationId xmlns:a16="http://schemas.microsoft.com/office/drawing/2014/main" id="{4BE7E052-6C1C-407E-90EE-2F7EF3CD3D5C}"/>
-              </a:ext>
-            </a:extLst>
-          </p:cNvPr>
-          <p:cNvCxnSpPr>
-            <a:cxnSpLocks/>
-          </p:cNvCxnSpPr>
-          <p:nvPr/>
-        </p:nvCxnSpPr>
-        <p:spPr>
-          <a:xfrm>
-            <a:off x="7406640" y="1957030"/>
-            <a:ext cx="0" cy="212711"/>
-          </a:xfrm>
-          <a:prstGeom prst="straightConnector1">
-            <a:avLst/>
-          </a:prstGeom>
-          <a:ln>
-            <a:solidFill>
-              <a:schemeClr val="tx1"/>
-            </a:solidFill>
-            <a:tailEnd type="triangle"/>
-          </a:ln>
-        </p:spPr>
-        <p:style>
-          <a:lnRef idx="3">
-            <a:schemeClr val="dk1"/>
-          </a:lnRef>
-          <a:fillRef idx="0">
-            <a:schemeClr val="dk1"/>
-          </a:fillRef>
-          <a:effectRef idx="2">
-            <a:schemeClr val="dk1"/>
-          </a:effectRef>
-          <a:fontRef idx="minor">
-            <a:schemeClr val="tx1"/>
-          </a:fontRef>
-        </p:style>
-      </p:cxnSp>
-      <p:cxnSp>
-        <p:nvCxnSpPr>
-          <p:cNvPr id="42" name="Straight Arrow Connector 41">
-            <a:extLst>
-              <a:ext uri="{FF2B5EF4-FFF2-40B4-BE49-F238E27FC236}">
-                <a16:creationId xmlns:a16="http://schemas.microsoft.com/office/drawing/2014/main" id="{E559391C-2146-418A-89BA-86FA45BF225D}"/>
-              </a:ext>
-            </a:extLst>
-          </p:cNvPr>
-          <p:cNvCxnSpPr>
-            <a:cxnSpLocks/>
-          </p:cNvCxnSpPr>
-          <p:nvPr/>
-        </p:nvCxnSpPr>
-        <p:spPr>
-          <a:xfrm>
-            <a:off x="7406638" y="3285521"/>
-            <a:ext cx="0" cy="212711"/>
-          </a:xfrm>
-          <a:prstGeom prst="straightConnector1">
-            <a:avLst/>
-          </a:prstGeom>
-          <a:ln>
-            <a:solidFill>
-              <a:schemeClr val="tx1"/>
-            </a:solidFill>
-            <a:tailEnd type="triangle"/>
-          </a:ln>
-        </p:spPr>
-        <p:style>
-          <a:lnRef idx="3">
-            <a:schemeClr val="dk1"/>
-          </a:lnRef>
-          <a:fillRef idx="0">
-            <a:schemeClr val="dk1"/>
-          </a:fillRef>
-          <a:effectRef idx="2">
-            <a:schemeClr val="dk1"/>
-          </a:effectRef>
-          <a:fontRef idx="minor">
-            <a:schemeClr val="tx1"/>
-          </a:fontRef>
-        </p:style>
-      </p:cxnSp>
-      <p:cxnSp>
-        <p:nvCxnSpPr>
-          <p:cNvPr id="43" name="Straight Arrow Connector 42">
-            <a:extLst>
-              <a:ext uri="{FF2B5EF4-FFF2-40B4-BE49-F238E27FC236}">
-                <a16:creationId xmlns:a16="http://schemas.microsoft.com/office/drawing/2014/main" id="{A520EFF5-A414-49DC-B128-E22F4D91590C}"/>
-              </a:ext>
-            </a:extLst>
-          </p:cNvPr>
-          <p:cNvCxnSpPr>
-            <a:cxnSpLocks/>
-          </p:cNvCxnSpPr>
-          <p:nvPr/>
-        </p:nvCxnSpPr>
-        <p:spPr>
-          <a:xfrm>
-            <a:off x="7371804" y="4163567"/>
-            <a:ext cx="0" cy="212711"/>
-          </a:xfrm>
-          <a:prstGeom prst="straightConnector1">
-            <a:avLst/>
-          </a:prstGeom>
-          <a:ln>
-            <a:solidFill>
-              <a:schemeClr val="tx1"/>
-            </a:solidFill>
-            <a:tailEnd type="triangle"/>
-          </a:ln>
-        </p:spPr>
-        <p:style>
-          <a:lnRef idx="3">
-            <a:schemeClr val="dk1"/>
-          </a:lnRef>
-          <a:fillRef idx="0">
-            <a:schemeClr val="dk1"/>
-          </a:fillRef>
-          <a:effectRef idx="2">
-            <a:schemeClr val="dk1"/>
-          </a:effectRef>
-          <a:fontRef idx="minor">
-            <a:schemeClr val="tx1"/>
-          </a:fontRef>
-        </p:style>
-      </p:cxnSp>
-      <p:cxnSp>
-        <p:nvCxnSpPr>
-          <p:cNvPr id="44" name="Straight Arrow Connector 43">
-            <a:extLst>
-              <a:ext uri="{FF2B5EF4-FFF2-40B4-BE49-F238E27FC236}">
-                <a16:creationId xmlns:a16="http://schemas.microsoft.com/office/drawing/2014/main" id="{65A77BB5-E99F-4F02-9CB9-B3DC068C6E22}"/>
-              </a:ext>
-            </a:extLst>
-          </p:cNvPr>
-          <p:cNvCxnSpPr>
-            <a:cxnSpLocks/>
-          </p:cNvCxnSpPr>
-          <p:nvPr/>
-        </p:nvCxnSpPr>
-        <p:spPr>
-          <a:xfrm>
-            <a:off x="7371804" y="5039428"/>
-            <a:ext cx="0" cy="212711"/>
-          </a:xfrm>
-          <a:prstGeom prst="straightConnector1">
-            <a:avLst/>
-          </a:prstGeom>
-          <a:ln>
-            <a:solidFill>
-              <a:schemeClr val="tx1"/>
-            </a:solidFill>
-            <a:tailEnd type="triangle"/>
-          </a:ln>
-        </p:spPr>
-        <p:style>
-          <a:lnRef idx="3">
-            <a:schemeClr val="dk1"/>
-          </a:lnRef>
-          <a:fillRef idx="0">
-            <a:schemeClr val="dk1"/>
-          </a:fillRef>
-          <a:effectRef idx="2">
-            <a:schemeClr val="dk1"/>
-          </a:effectRef>
-          <a:fontRef idx="minor">
-            <a:schemeClr val="tx1"/>
-          </a:fontRef>
-        </p:style>
-      </p:cxnSp>
-      <p:cxnSp>
-        <p:nvCxnSpPr>
-          <p:cNvPr id="46" name="Straight Arrow Connector 45">
-            <a:extLst>
-              <a:ext uri="{FF2B5EF4-FFF2-40B4-BE49-F238E27FC236}">
-                <a16:creationId xmlns:a16="http://schemas.microsoft.com/office/drawing/2014/main" id="{288A4F75-7A0C-4824-A235-B9C3049FC481}"/>
-              </a:ext>
-            </a:extLst>
-          </p:cNvPr>
-          <p:cNvCxnSpPr>
-            <a:cxnSpLocks/>
-          </p:cNvCxnSpPr>
-          <p:nvPr/>
-        </p:nvCxnSpPr>
-        <p:spPr>
-          <a:xfrm flipH="1" flipV="1">
-            <a:off x="5349240" y="2714293"/>
-            <a:ext cx="982980" cy="9616"/>
-          </a:xfrm>
-          <a:prstGeom prst="straightConnector1">
-            <a:avLst/>
-          </a:prstGeom>
-          <a:ln>
-            <a:solidFill>
-              <a:schemeClr val="tx1"/>
-            </a:solidFill>
-            <a:tailEnd type="triangle"/>
-          </a:ln>
-        </p:spPr>
-        <p:style>
-          <a:lnRef idx="3">
-            <a:schemeClr val="dk1"/>
-          </a:lnRef>
-          <a:fillRef idx="0">
-            <a:schemeClr val="dk1"/>
-          </a:fillRef>
-          <a:effectRef idx="2">
-            <a:schemeClr val="dk1"/>
-          </a:effectRef>
-          <a:fontRef idx="minor">
-            <a:schemeClr val="tx1"/>
-          </a:fontRef>
-        </p:style>
-      </p:cxnSp>
-      <p:sp>
-        <p:nvSpPr>
-          <p:cNvPr id="50" name="TextBox 49">
-            <a:extLst>
-              <a:ext uri="{FF2B5EF4-FFF2-40B4-BE49-F238E27FC236}">
-                <a16:creationId xmlns:a16="http://schemas.microsoft.com/office/drawing/2014/main" id="{29D0F276-5DAE-4294-A804-D00BC74CA53D}"/>
-              </a:ext>
-            </a:extLst>
-          </p:cNvPr>
-          <p:cNvSpPr txBox="1"/>
-          <p:nvPr/>
-        </p:nvSpPr>
-        <p:spPr>
-          <a:xfrm>
-            <a:off x="5456556" y="2835777"/>
-            <a:ext cx="1278888" cy="276999"/>
-          </a:xfrm>
-          <a:prstGeom prst="rect">
-            <a:avLst/>
-          </a:prstGeom>
-          <a:noFill/>
-        </p:spPr>
-        <p:txBody>
-          <a:bodyPr wrap="square" rtlCol="0">
-            <a:spAutoFit/>
-          </a:bodyPr>
-          <a:lstStyle/>
-          <a:p>
-            <a:r>
-              <a:rPr lang="en-US" sz="1200" dirty="0">
-                <a:latin typeface="Times New Roman" panose="02020603050405020304" pitchFamily="18" charset="0"/>
-                <a:cs typeface="Times New Roman" panose="02020603050405020304" pitchFamily="18" charset="0"/>
-              </a:rPr>
-              <a:t>Invalid ID</a:t>
-            </a:r>
-          </a:p>
-        </p:txBody>
-      </p:sp>
-      <p:sp>
-        <p:nvSpPr>
-          <p:cNvPr id="51" name="TextBox 50">
-            <a:extLst>
-              <a:ext uri="{FF2B5EF4-FFF2-40B4-BE49-F238E27FC236}">
-                <a16:creationId xmlns:a16="http://schemas.microsoft.com/office/drawing/2014/main" id="{DB20A5F4-3F8B-4B09-9265-3A4E9FD0D43F}"/>
-              </a:ext>
-            </a:extLst>
-          </p:cNvPr>
-          <p:cNvSpPr txBox="1"/>
-          <p:nvPr/>
-        </p:nvSpPr>
-        <p:spPr>
-          <a:xfrm>
-            <a:off x="7564030" y="3188725"/>
-            <a:ext cx="1278888" cy="276999"/>
-          </a:xfrm>
-          <a:prstGeom prst="rect">
-            <a:avLst/>
-          </a:prstGeom>
-          <a:noFill/>
-        </p:spPr>
-        <p:txBody>
-          <a:bodyPr wrap="square" rtlCol="0">
-            <a:spAutoFit/>
-          </a:bodyPr>
-          <a:lstStyle/>
-          <a:p>
-            <a:r>
-              <a:rPr lang="en-US" sz="1200" dirty="0">
-                <a:latin typeface="Times New Roman" panose="02020603050405020304" pitchFamily="18" charset="0"/>
-                <a:cs typeface="Times New Roman" panose="02020603050405020304" pitchFamily="18" charset="0"/>
-              </a:rPr>
-              <a:t>Valid ID</a:t>
-            </a:r>
-          </a:p>
-        </p:txBody>
-      </p:sp>
-      <p:cxnSp>
-        <p:nvCxnSpPr>
-          <p:cNvPr id="54" name="Straight Arrow Connector 53">
-            <a:extLst>
-              <a:ext uri="{FF2B5EF4-FFF2-40B4-BE49-F238E27FC236}">
-                <a16:creationId xmlns:a16="http://schemas.microsoft.com/office/drawing/2014/main" id="{6D5C194A-09B0-4AD8-840A-0C938ADCF224}"/>
-              </a:ext>
-            </a:extLst>
-          </p:cNvPr>
-          <p:cNvCxnSpPr>
-            <a:cxnSpLocks/>
-          </p:cNvCxnSpPr>
-          <p:nvPr/>
-        </p:nvCxnSpPr>
-        <p:spPr>
-          <a:xfrm flipV="1">
-            <a:off x="4318546" y="1714500"/>
-            <a:ext cx="0" cy="609600"/>
-          </a:xfrm>
-          <a:prstGeom prst="straightConnector1">
-            <a:avLst/>
-          </a:prstGeom>
-          <a:ln>
-            <a:solidFill>
-              <a:schemeClr val="tx1"/>
-            </a:solidFill>
-            <a:tailEnd type="triangle"/>
-          </a:ln>
-        </p:spPr>
-        <p:style>
-          <a:lnRef idx="3">
-            <a:schemeClr val="dk1"/>
-          </a:lnRef>
-          <a:fillRef idx="0">
-            <a:schemeClr val="dk1"/>
-          </a:fillRef>
-          <a:effectRef idx="2">
-            <a:schemeClr val="dk1"/>
-          </a:effectRef>
-          <a:fontRef idx="minor">
-            <a:schemeClr val="tx1"/>
-          </a:fontRef>
-        </p:style>
-      </p:cxnSp>
-      <p:sp>
-        <p:nvSpPr>
-          <p:cNvPr id="63" name="TextBox 62">
-            <a:extLst>
-              <a:ext uri="{FF2B5EF4-FFF2-40B4-BE49-F238E27FC236}">
-                <a16:creationId xmlns:a16="http://schemas.microsoft.com/office/drawing/2014/main" id="{36F38FE2-362B-4E18-8F15-84D18CED8014}"/>
-              </a:ext>
-            </a:extLst>
-          </p:cNvPr>
-          <p:cNvSpPr txBox="1"/>
-          <p:nvPr/>
-        </p:nvSpPr>
-        <p:spPr>
-          <a:xfrm>
-            <a:off x="9771193" y="5571746"/>
-            <a:ext cx="2205442" cy="461665"/>
-          </a:xfrm>
-          <a:prstGeom prst="rect">
-            <a:avLst/>
-          </a:prstGeom>
-          <a:noFill/>
-        </p:spPr>
-        <p:txBody>
-          <a:bodyPr wrap="square" rtlCol="0">
-            <a:spAutoFit/>
-          </a:bodyPr>
-          <a:lstStyle/>
-          <a:p>
-            <a:pPr marL="285750" indent="-285750">
-              <a:buFont typeface="Arial" panose="020B0604020202020204" pitchFamily="34" charset="0"/>
-              <a:buChar char="•"/>
-            </a:pPr>
-            <a:r>
-              <a:rPr lang="en-US" sz="1200" dirty="0">
-                <a:latin typeface="Times New Roman" panose="02020603050405020304" pitchFamily="18" charset="0"/>
-                <a:cs typeface="Times New Roman" panose="02020603050405020304" pitchFamily="18" charset="0"/>
-              </a:rPr>
-              <a:t>*FG= Fingerprint</a:t>
-            </a:r>
-          </a:p>
-          <a:p>
-            <a:pPr marL="285750" indent="-285750">
-              <a:buFont typeface="Arial" panose="020B0604020202020204" pitchFamily="34" charset="0"/>
-              <a:buChar char="•"/>
-            </a:pPr>
-            <a:r>
-              <a:rPr lang="en-US" sz="1200" dirty="0">
-                <a:latin typeface="Times New Roman" panose="02020603050405020304" pitchFamily="18" charset="0"/>
-                <a:cs typeface="Times New Roman" panose="02020603050405020304" pitchFamily="18" charset="0"/>
-              </a:rPr>
-              <a:t>*FR = Facial Recognition </a:t>
+              <a:t>Existing System:</a:t>
             </a:r>
           </a:p>
         </p:txBody>
@@ -8804,7 +8357,7 @@
     </p:spTree>
     <p:extLst>
       <p:ext uri="{BB962C8B-B14F-4D97-AF65-F5344CB8AC3E}">
-        <p14:creationId xmlns:p14="http://schemas.microsoft.com/office/powerpoint/2010/main" val="3156236277"/>
+        <p14:creationId xmlns:p14="http://schemas.microsoft.com/office/powerpoint/2010/main" val="95866154"/>
       </p:ext>
     </p:extLst>
   </p:cSld>
@@ -8815,6 +8368,104 @@
 </file>
 
 <file path=ppt/slides/slide7.xml><?xml version="1.0" encoding="utf-8"?>
+<p:sld xmlns:a="http://schemas.openxmlformats.org/drawingml/2006/main" xmlns:r="http://schemas.openxmlformats.org/officeDocument/2006/relationships" xmlns:p="http://schemas.openxmlformats.org/presentationml/2006/main">
+  <p:cSld>
+    <p:spTree>
+      <p:nvGrpSpPr>
+        <p:cNvPr id="1" name=""/>
+        <p:cNvGrpSpPr/>
+        <p:nvPr/>
+      </p:nvGrpSpPr>
+      <p:grpSpPr>
+        <a:xfrm>
+          <a:off x="0" y="0"/>
+          <a:ext cx="0" cy="0"/>
+          <a:chOff x="0" y="0"/>
+          <a:chExt cx="0" cy="0"/>
+        </a:xfrm>
+      </p:grpSpPr>
+      <p:pic>
+        <p:nvPicPr>
+          <p:cNvPr id="2" name="Picture 1">
+            <a:extLst>
+              <a:ext uri="{FF2B5EF4-FFF2-40B4-BE49-F238E27FC236}">
+                <a16:creationId xmlns:a16="http://schemas.microsoft.com/office/drawing/2014/main" id="{607E5B7E-457B-4D8B-B009-B247E75F9134}"/>
+              </a:ext>
+            </a:extLst>
+          </p:cNvPr>
+          <p:cNvPicPr>
+            <a:picLocks noChangeAspect="1"/>
+          </p:cNvPicPr>
+          <p:nvPr/>
+        </p:nvPicPr>
+        <p:blipFill>
+          <a:blip r:embed="rId2"/>
+          <a:stretch>
+            <a:fillRect/>
+          </a:stretch>
+        </p:blipFill>
+        <p:spPr>
+          <a:xfrm>
+            <a:off x="3047736" y="1646173"/>
+            <a:ext cx="6096528" cy="4218798"/>
+          </a:xfrm>
+          <a:prstGeom prst="rect">
+            <a:avLst/>
+          </a:prstGeom>
+        </p:spPr>
+      </p:pic>
+      <p:sp>
+        <p:nvSpPr>
+          <p:cNvPr id="3" name="TextBox 2">
+            <a:extLst>
+              <a:ext uri="{FF2B5EF4-FFF2-40B4-BE49-F238E27FC236}">
+                <a16:creationId xmlns:a16="http://schemas.microsoft.com/office/drawing/2014/main" id="{9FDF955C-4AA7-47F0-8553-2CF9E9FC78B1}"/>
+              </a:ext>
+            </a:extLst>
+          </p:cNvPr>
+          <p:cNvSpPr txBox="1"/>
+          <p:nvPr/>
+        </p:nvSpPr>
+        <p:spPr>
+          <a:xfrm>
+            <a:off x="940526" y="600891"/>
+            <a:ext cx="4114800" cy="584775"/>
+          </a:xfrm>
+          <a:prstGeom prst="rect">
+            <a:avLst/>
+          </a:prstGeom>
+          <a:noFill/>
+        </p:spPr>
+        <p:txBody>
+          <a:bodyPr wrap="square" rtlCol="0">
+            <a:spAutoFit/>
+          </a:bodyPr>
+          <a:lstStyle/>
+          <a:p>
+            <a:r>
+              <a:rPr lang="en-US" sz="3200" dirty="0">
+                <a:latin typeface="Times New Roman" panose="02020603050405020304" pitchFamily="18" charset="0"/>
+                <a:cs typeface="Times New Roman" panose="02020603050405020304" pitchFamily="18" charset="0"/>
+              </a:rPr>
+              <a:t>Proposed System:</a:t>
+            </a:r>
+          </a:p>
+        </p:txBody>
+      </p:sp>
+    </p:spTree>
+    <p:extLst>
+      <p:ext uri="{BB962C8B-B14F-4D97-AF65-F5344CB8AC3E}">
+        <p14:creationId xmlns:p14="http://schemas.microsoft.com/office/powerpoint/2010/main" val="3011348462"/>
+      </p:ext>
+    </p:extLst>
+  </p:cSld>
+  <p:clrMapOvr>
+    <a:masterClrMapping/>
+  </p:clrMapOvr>
+</p:sld>
+</file>
+
+<file path=ppt/slides/slide8.xml><?xml version="1.0" encoding="utf-8"?>
 <p:sld xmlns:a="http://schemas.openxmlformats.org/drawingml/2006/main" xmlns:r="http://schemas.openxmlformats.org/officeDocument/2006/relationships" xmlns:p="http://schemas.openxmlformats.org/presentationml/2006/main">
   <p:cSld>
     <p:spTree>
